--- a/GrannyWatcher.pptx
+++ b/GrannyWatcher.pptx
@@ -11,7 +11,8 @@
     <p:sldId id="260" r:id="rId5"/>
     <p:sldId id="259" r:id="rId6"/>
     <p:sldId id="264" r:id="rId7"/>
-    <p:sldId id="262" r:id="rId8"/>
+    <p:sldId id="265" r:id="rId8"/>
+    <p:sldId id="262" r:id="rId9"/>
   </p:sldIdLst>
   <p:sldSz cx="12192000" cy="6858000"/>
   <p:notesSz cx="6858000" cy="9144000"/>
@@ -264,7 +265,7 @@
           <a:p>
             <a:fld id="{D3617F23-B3A0-924A-97D6-10E8DCDBF633}" type="datetimeFigureOut">
               <a:rPr lang="nl-NL" smtClean="0"/>
-              <a:t>25-6-2017</a:t>
+              <a:t>28-6-2017</a:t>
             </a:fld>
             <a:endParaRPr lang="nl-NL"/>
           </a:p>
@@ -434,7 +435,7 @@
           <a:p>
             <a:fld id="{D3617F23-B3A0-924A-97D6-10E8DCDBF633}" type="datetimeFigureOut">
               <a:rPr lang="nl-NL" smtClean="0"/>
-              <a:t>25-6-2017</a:t>
+              <a:t>28-6-2017</a:t>
             </a:fld>
             <a:endParaRPr lang="nl-NL"/>
           </a:p>
@@ -614,7 +615,7 @@
           <a:p>
             <a:fld id="{D3617F23-B3A0-924A-97D6-10E8DCDBF633}" type="datetimeFigureOut">
               <a:rPr lang="nl-NL" smtClean="0"/>
-              <a:t>25-6-2017</a:t>
+              <a:t>28-6-2017</a:t>
             </a:fld>
             <a:endParaRPr lang="nl-NL"/>
           </a:p>
@@ -784,7 +785,7 @@
           <a:p>
             <a:fld id="{D3617F23-B3A0-924A-97D6-10E8DCDBF633}" type="datetimeFigureOut">
               <a:rPr lang="nl-NL" smtClean="0"/>
-              <a:t>25-6-2017</a:t>
+              <a:t>28-6-2017</a:t>
             </a:fld>
             <a:endParaRPr lang="nl-NL"/>
           </a:p>
@@ -1030,7 +1031,7 @@
           <a:p>
             <a:fld id="{D3617F23-B3A0-924A-97D6-10E8DCDBF633}" type="datetimeFigureOut">
               <a:rPr lang="nl-NL" smtClean="0"/>
-              <a:t>25-6-2017</a:t>
+              <a:t>28-6-2017</a:t>
             </a:fld>
             <a:endParaRPr lang="nl-NL"/>
           </a:p>
@@ -1262,7 +1263,7 @@
           <a:p>
             <a:fld id="{D3617F23-B3A0-924A-97D6-10E8DCDBF633}" type="datetimeFigureOut">
               <a:rPr lang="nl-NL" smtClean="0"/>
-              <a:t>25-6-2017</a:t>
+              <a:t>28-6-2017</a:t>
             </a:fld>
             <a:endParaRPr lang="nl-NL"/>
           </a:p>
@@ -1629,7 +1630,7 @@
           <a:p>
             <a:fld id="{D3617F23-B3A0-924A-97D6-10E8DCDBF633}" type="datetimeFigureOut">
               <a:rPr lang="nl-NL" smtClean="0"/>
-              <a:t>25-6-2017</a:t>
+              <a:t>28-6-2017</a:t>
             </a:fld>
             <a:endParaRPr lang="nl-NL"/>
           </a:p>
@@ -1747,7 +1748,7 @@
           <a:p>
             <a:fld id="{D3617F23-B3A0-924A-97D6-10E8DCDBF633}" type="datetimeFigureOut">
               <a:rPr lang="nl-NL" smtClean="0"/>
-              <a:t>25-6-2017</a:t>
+              <a:t>28-6-2017</a:t>
             </a:fld>
             <a:endParaRPr lang="nl-NL"/>
           </a:p>
@@ -1842,7 +1843,7 @@
           <a:p>
             <a:fld id="{D3617F23-B3A0-924A-97D6-10E8DCDBF633}" type="datetimeFigureOut">
               <a:rPr lang="nl-NL" smtClean="0"/>
-              <a:t>25-6-2017</a:t>
+              <a:t>28-6-2017</a:t>
             </a:fld>
             <a:endParaRPr lang="nl-NL"/>
           </a:p>
@@ -2119,7 +2120,7 @@
           <a:p>
             <a:fld id="{D3617F23-B3A0-924A-97D6-10E8DCDBF633}" type="datetimeFigureOut">
               <a:rPr lang="nl-NL" smtClean="0"/>
-              <a:t>25-6-2017</a:t>
+              <a:t>28-6-2017</a:t>
             </a:fld>
             <a:endParaRPr lang="nl-NL"/>
           </a:p>
@@ -2372,7 +2373,7 @@
           <a:p>
             <a:fld id="{D3617F23-B3A0-924A-97D6-10E8DCDBF633}" type="datetimeFigureOut">
               <a:rPr lang="nl-NL" smtClean="0"/>
-              <a:t>25-6-2017</a:t>
+              <a:t>28-6-2017</a:t>
             </a:fld>
             <a:endParaRPr lang="nl-NL"/>
           </a:p>
@@ -2585,7 +2586,7 @@
           <a:p>
             <a:fld id="{D3617F23-B3A0-924A-97D6-10E8DCDBF633}" type="datetimeFigureOut">
               <a:rPr lang="nl-NL" smtClean="0"/>
-              <a:t>25-6-2017</a:t>
+              <a:t>28-6-2017</a:t>
             </a:fld>
             <a:endParaRPr lang="nl-NL"/>
           </a:p>
@@ -4307,6 +4308,65 @@
       </p:grpSpPr>
       <p:sp>
         <p:nvSpPr>
+          <p:cNvPr id="2" name="Title 1">
+            <a:extLst>
+              <a:ext uri="{FF2B5EF4-FFF2-40B4-BE49-F238E27FC236}">
+                <a16:creationId xmlns:a16="http://schemas.microsoft.com/office/drawing/2014/main" id="{F6DF5548-D9F2-4522-94E9-7366B9566F77}"/>
+              </a:ext>
+            </a:extLst>
+          </p:cNvPr>
+          <p:cNvSpPr>
+            <a:spLocks noGrp="1"/>
+          </p:cNvSpPr>
+          <p:nvPr>
+            <p:ph type="title"/>
+          </p:nvPr>
+        </p:nvSpPr>
+        <p:spPr/>
+        <p:txBody>
+          <a:bodyPr/>
+          <a:lstStyle/>
+          <a:p>
+            <a:r>
+              <a:rPr lang="en-US" dirty="0" err="1"/>
+              <a:t>Conclusie</a:t>
+            </a:r>
+            <a:endParaRPr lang="nl-NL" dirty="0"/>
+          </a:p>
+        </p:txBody>
+      </p:sp>
+    </p:spTree>
+    <p:extLst>
+      <p:ext uri="{BB962C8B-B14F-4D97-AF65-F5344CB8AC3E}">
+        <p14:creationId xmlns:p14="http://schemas.microsoft.com/office/powerpoint/2010/main" val="2930989357"/>
+      </p:ext>
+    </p:extLst>
+  </p:cSld>
+  <p:clrMapOvr>
+    <a:masterClrMapping/>
+  </p:clrMapOvr>
+</p:sld>
+</file>
+
+<file path=ppt/slides/slide8.xml><?xml version="1.0" encoding="utf-8"?>
+<p:sld xmlns:a="http://schemas.openxmlformats.org/drawingml/2006/main" xmlns:r="http://schemas.openxmlformats.org/officeDocument/2006/relationships" xmlns:p="http://schemas.openxmlformats.org/presentationml/2006/main">
+  <p:cSld>
+    <p:spTree>
+      <p:nvGrpSpPr>
+        <p:cNvPr id="1" name=""/>
+        <p:cNvGrpSpPr/>
+        <p:nvPr/>
+      </p:nvGrpSpPr>
+      <p:grpSpPr>
+        <a:xfrm>
+          <a:off x="0" y="0"/>
+          <a:ext cx="0" cy="0"/>
+          <a:chOff x="0" y="0"/>
+          <a:chExt cx="0" cy="0"/>
+        </a:xfrm>
+      </p:grpSpPr>
+      <p:sp>
+        <p:nvSpPr>
           <p:cNvPr id="230402" name="Rectangle 2"/>
           <p:cNvSpPr>
             <a:spLocks noGrp="1" noChangeArrowheads="1"/>
@@ -4436,7 +4496,7 @@
             <a:effectLst/>
             <a:extLst>
               <a:ext uri="{AF507438-7753-43e0-B8FC-AC1667EBCBE1}">
-                <a14:hiddenEffects xmlns="" xmlns:a14="http://schemas.microsoft.com/office/drawing/2010/main">
+                <a14:hiddenEffects xmlns:a14="http://schemas.microsoft.com/office/drawing/2010/main" xmlns="">
                   <a:effectLst>
                     <a:outerShdw dist="35921" dir="2700000" algn="ctr" rotWithShape="0">
                       <a:schemeClr val="bg2"/>
@@ -4601,7 +4661,7 @@
               <a:effectLst/>
               <a:extLst>
                 <a:ext uri="{91240B29-F687-4f45-9708-019B960494DF}">
-                  <a14:hiddenLine xmlns="" xmlns:a14="http://schemas.microsoft.com/office/drawing/2010/main" w="9525" cap="rnd">
+                  <a14:hiddenLine xmlns:a14="http://schemas.microsoft.com/office/drawing/2010/main" xmlns="" w="9525" cap="rnd">
                     <a:solidFill>
                       <a:schemeClr val="tx1"/>
                     </a:solidFill>
@@ -4611,7 +4671,7 @@
                   </a14:hiddenLine>
                 </a:ext>
                 <a:ext uri="{AF507438-7753-43e0-B8FC-AC1667EBCBE1}">
-                  <a14:hiddenEffects xmlns="" xmlns:a14="http://schemas.microsoft.com/office/drawing/2010/main">
+                  <a14:hiddenEffects xmlns:a14="http://schemas.microsoft.com/office/drawing/2010/main" xmlns="">
                     <a:effectLst>
                       <a:outerShdw dist="35921" dir="2700000" algn="ctr" rotWithShape="0">
                         <a:schemeClr val="bg2"/>
@@ -4760,7 +4820,7 @@
               <a:effectLst/>
               <a:extLst>
                 <a:ext uri="{91240B29-F687-4f45-9708-019B960494DF}">
-                  <a14:hiddenLine xmlns="" xmlns:a14="http://schemas.microsoft.com/office/drawing/2010/main" w="9525" cap="rnd">
+                  <a14:hiddenLine xmlns:a14="http://schemas.microsoft.com/office/drawing/2010/main" xmlns="" w="9525" cap="rnd">
                     <a:solidFill>
                       <a:schemeClr val="tx1"/>
                     </a:solidFill>
@@ -4770,7 +4830,7 @@
                   </a14:hiddenLine>
                 </a:ext>
                 <a:ext uri="{AF507438-7753-43e0-B8FC-AC1667EBCBE1}">
-                  <a14:hiddenEffects xmlns="" xmlns:a14="http://schemas.microsoft.com/office/drawing/2010/main">
+                  <a14:hiddenEffects xmlns:a14="http://schemas.microsoft.com/office/drawing/2010/main" xmlns="">
                     <a:effectLst>
                       <a:outerShdw dist="35921" dir="2700000" algn="ctr" rotWithShape="0">
                         <a:schemeClr val="bg2"/>
@@ -4919,7 +4979,7 @@
               <a:effectLst/>
               <a:extLst>
                 <a:ext uri="{91240B29-F687-4f45-9708-019B960494DF}">
-                  <a14:hiddenLine xmlns="" xmlns:a14="http://schemas.microsoft.com/office/drawing/2010/main" w="9525" cap="rnd">
+                  <a14:hiddenLine xmlns:a14="http://schemas.microsoft.com/office/drawing/2010/main" xmlns="" w="9525" cap="rnd">
                     <a:solidFill>
                       <a:schemeClr val="tx1"/>
                     </a:solidFill>
@@ -4929,7 +4989,7 @@
                   </a14:hiddenLine>
                 </a:ext>
                 <a:ext uri="{AF507438-7753-43e0-B8FC-AC1667EBCBE1}">
-                  <a14:hiddenEffects xmlns="" xmlns:a14="http://schemas.microsoft.com/office/drawing/2010/main">
+                  <a14:hiddenEffects xmlns:a14="http://schemas.microsoft.com/office/drawing/2010/main" xmlns="">
                     <a:effectLst>
                       <a:outerShdw dist="35921" dir="2700000" algn="ctr" rotWithShape="0">
                         <a:schemeClr val="bg2"/>
@@ -5078,7 +5138,7 @@
               <a:effectLst/>
               <a:extLst>
                 <a:ext uri="{91240B29-F687-4f45-9708-019B960494DF}">
-                  <a14:hiddenLine xmlns="" xmlns:a14="http://schemas.microsoft.com/office/drawing/2010/main" w="9525" cap="rnd">
+                  <a14:hiddenLine xmlns:a14="http://schemas.microsoft.com/office/drawing/2010/main" xmlns="" w="9525" cap="rnd">
                     <a:solidFill>
                       <a:schemeClr val="tx1"/>
                     </a:solidFill>
@@ -5088,7 +5148,7 @@
                   </a14:hiddenLine>
                 </a:ext>
                 <a:ext uri="{AF507438-7753-43e0-B8FC-AC1667EBCBE1}">
-                  <a14:hiddenEffects xmlns="" xmlns:a14="http://schemas.microsoft.com/office/drawing/2010/main">
+                  <a14:hiddenEffects xmlns:a14="http://schemas.microsoft.com/office/drawing/2010/main" xmlns="">
                     <a:effectLst>
                       <a:outerShdw dist="35921" dir="2700000" algn="ctr" rotWithShape="0">
                         <a:schemeClr val="bg2"/>
@@ -5517,7 +5577,7 @@
                   <a:effectLst/>
                   <a:extLst>
                     <a:ext uri="{AF507438-7753-43e0-B8FC-AC1667EBCBE1}">
-                      <a14:hiddenEffects xmlns="" xmlns:a14="http://schemas.microsoft.com/office/drawing/2010/main">
+                      <a14:hiddenEffects xmlns:a14="http://schemas.microsoft.com/office/drawing/2010/main" xmlns="">
                         <a:effectLst>
                           <a:outerShdw dist="35921" dir="2700000" algn="ctr" rotWithShape="0">
                             <a:schemeClr val="bg2"/>
@@ -5560,7 +5620,7 @@
                   <a:effectLst/>
                   <a:extLst>
                     <a:ext uri="{91240B29-F687-4f45-9708-019B960494DF}">
-                      <a14:hiddenLine xmlns="" xmlns:a14="http://schemas.microsoft.com/office/drawing/2010/main" w="9525">
+                      <a14:hiddenLine xmlns:a14="http://schemas.microsoft.com/office/drawing/2010/main" xmlns="" w="9525">
                         <a:solidFill>
                           <a:schemeClr val="tx1"/>
                         </a:solidFill>
@@ -5570,7 +5630,7 @@
                       </a14:hiddenLine>
                     </a:ext>
                     <a:ext uri="{AF507438-7753-43e0-B8FC-AC1667EBCBE1}">
-                      <a14:hiddenEffects xmlns="" xmlns:a14="http://schemas.microsoft.com/office/drawing/2010/main">
+                      <a14:hiddenEffects xmlns:a14="http://schemas.microsoft.com/office/drawing/2010/main" xmlns="">
                         <a:effectLst>
                           <a:outerShdw dist="35921" dir="2700000" algn="ctr" rotWithShape="0">
                             <a:schemeClr val="bg2"/>
@@ -5635,7 +5695,7 @@
                   <a:effectLst/>
                   <a:extLst>
                     <a:ext uri="{AF507438-7753-43e0-B8FC-AC1667EBCBE1}">
-                      <a14:hiddenEffects xmlns="" xmlns:a14="http://schemas.microsoft.com/office/drawing/2010/main">
+                      <a14:hiddenEffects xmlns:a14="http://schemas.microsoft.com/office/drawing/2010/main" xmlns="">
                         <a:effectLst>
                           <a:outerShdw dist="35921" dir="2700000" algn="ctr" rotWithShape="0">
                             <a:schemeClr val="bg2"/>
@@ -5838,7 +5898,7 @@
                   <a:effectLst/>
                   <a:extLst>
                     <a:ext uri="{AF507438-7753-43e0-B8FC-AC1667EBCBE1}">
-                      <a14:hiddenEffects xmlns="" xmlns:a14="http://schemas.microsoft.com/office/drawing/2010/main">
+                      <a14:hiddenEffects xmlns:a14="http://schemas.microsoft.com/office/drawing/2010/main" xmlns="">
                         <a:effectLst>
                           <a:outerShdw dist="35921" dir="2700000" algn="ctr" rotWithShape="0">
                             <a:schemeClr val="bg2"/>
@@ -5953,7 +6013,7 @@
                   <a:effectLst/>
                   <a:extLst>
                     <a:ext uri="{AF507438-7753-43e0-B8FC-AC1667EBCBE1}">
-                      <a14:hiddenEffects xmlns="" xmlns:a14="http://schemas.microsoft.com/office/drawing/2010/main">
+                      <a14:hiddenEffects xmlns:a14="http://schemas.microsoft.com/office/drawing/2010/main" xmlns="">
                         <a:effectLst>
                           <a:outerShdw dist="35921" dir="2700000" algn="ctr" rotWithShape="0">
                             <a:schemeClr val="bg2"/>
@@ -6068,7 +6128,7 @@
                   <a:effectLst/>
                   <a:extLst>
                     <a:ext uri="{AF507438-7753-43e0-B8FC-AC1667EBCBE1}">
-                      <a14:hiddenEffects xmlns="" xmlns:a14="http://schemas.microsoft.com/office/drawing/2010/main">
+                      <a14:hiddenEffects xmlns:a14="http://schemas.microsoft.com/office/drawing/2010/main" xmlns="">
                         <a:effectLst>
                           <a:outerShdw dist="35921" dir="2700000" algn="ctr" rotWithShape="0">
                             <a:schemeClr val="bg2"/>
@@ -6191,7 +6251,7 @@
                   <a:effectLst/>
                   <a:extLst>
                     <a:ext uri="{AF507438-7753-43e0-B8FC-AC1667EBCBE1}">
-                      <a14:hiddenEffects xmlns="" xmlns:a14="http://schemas.microsoft.com/office/drawing/2010/main">
+                      <a14:hiddenEffects xmlns:a14="http://schemas.microsoft.com/office/drawing/2010/main" xmlns="">
                         <a:effectLst>
                           <a:outerShdw dist="35921" dir="2700000" algn="ctr" rotWithShape="0">
                             <a:schemeClr val="bg2"/>
@@ -6306,7 +6366,7 @@
                   <a:effectLst/>
                   <a:extLst>
                     <a:ext uri="{AF507438-7753-43e0-B8FC-AC1667EBCBE1}">
-                      <a14:hiddenEffects xmlns="" xmlns:a14="http://schemas.microsoft.com/office/drawing/2010/main">
+                      <a14:hiddenEffects xmlns:a14="http://schemas.microsoft.com/office/drawing/2010/main" xmlns="">
                         <a:effectLst>
                           <a:outerShdw dist="35921" dir="2700000" algn="ctr" rotWithShape="0">
                             <a:schemeClr val="bg2"/>
@@ -6615,7 +6675,7 @@
                 <a:effectLst/>
                 <a:extLst>
                   <a:ext uri="{AF507438-7753-43e0-B8FC-AC1667EBCBE1}">
-                    <a14:hiddenEffects xmlns="" xmlns:a14="http://schemas.microsoft.com/office/drawing/2010/main">
+                    <a14:hiddenEffects xmlns:a14="http://schemas.microsoft.com/office/drawing/2010/main" xmlns="">
                       <a:effectLst>
                         <a:outerShdw dist="35921" dir="2700000" algn="ctr" rotWithShape="0">
                           <a:schemeClr val="bg2"/>
@@ -6661,12 +6721,12 @@
                 <a:effectLst/>
                 <a:extLst>
                   <a:ext uri="{909E8E84-426E-40dd-AFC4-6F175D3DCCD1}">
-                    <a14:hiddenFill xmlns="" xmlns:a14="http://schemas.microsoft.com/office/drawing/2010/main">
+                    <a14:hiddenFill xmlns:a14="http://schemas.microsoft.com/office/drawing/2010/main" xmlns="">
                       <a:noFill/>
                     </a14:hiddenFill>
                   </a:ext>
                   <a:ext uri="{AF507438-7753-43e0-B8FC-AC1667EBCBE1}">
-                    <a14:hiddenEffects xmlns="" xmlns:a14="http://schemas.microsoft.com/office/drawing/2010/main">
+                    <a14:hiddenEffects xmlns:a14="http://schemas.microsoft.com/office/drawing/2010/main" xmlns="">
                       <a:effectLst>
                         <a:outerShdw dist="35921" dir="2700000" algn="ctr" rotWithShape="0">
                           <a:schemeClr val="bg2"/>
@@ -6766,7 +6826,7 @@
               <a:effectLst/>
               <a:extLst>
                 <a:ext uri="{AF507438-7753-43e0-B8FC-AC1667EBCBE1}">
-                  <a14:hiddenEffects xmlns="" xmlns:a14="http://schemas.microsoft.com/office/drawing/2010/main">
+                  <a14:hiddenEffects xmlns:a14="http://schemas.microsoft.com/office/drawing/2010/main" xmlns="">
                     <a:effectLst>
                       <a:outerShdw dist="35921" dir="2700000" algn="ctr" rotWithShape="0">
                         <a:schemeClr val="bg2"/>
@@ -6962,7 +7022,7 @@
                 <a:effectLst/>
                 <a:extLst>
                   <a:ext uri="{AF507438-7753-43e0-B8FC-AC1667EBCBE1}">
-                    <a14:hiddenEffects xmlns="" xmlns:a14="http://schemas.microsoft.com/office/drawing/2010/main">
+                    <a14:hiddenEffects xmlns:a14="http://schemas.microsoft.com/office/drawing/2010/main" xmlns="">
                       <a:effectLst>
                         <a:outerShdw dist="35921" dir="2700000" algn="ctr" rotWithShape="0">
                           <a:schemeClr val="bg2"/>
@@ -7008,12 +7068,12 @@
                 <a:effectLst/>
                 <a:extLst>
                   <a:ext uri="{909E8E84-426E-40dd-AFC4-6F175D3DCCD1}">
-                    <a14:hiddenFill xmlns="" xmlns:a14="http://schemas.microsoft.com/office/drawing/2010/main">
+                    <a14:hiddenFill xmlns:a14="http://schemas.microsoft.com/office/drawing/2010/main" xmlns="">
                       <a:noFill/>
                     </a14:hiddenFill>
                   </a:ext>
                   <a:ext uri="{AF507438-7753-43e0-B8FC-AC1667EBCBE1}">
-                    <a14:hiddenEffects xmlns="" xmlns:a14="http://schemas.microsoft.com/office/drawing/2010/main">
+                    <a14:hiddenEffects xmlns:a14="http://schemas.microsoft.com/office/drawing/2010/main" xmlns="">
                       <a:effectLst>
                         <a:outerShdw dist="35921" dir="2700000" algn="ctr" rotWithShape="0">
                           <a:schemeClr val="bg2"/>
@@ -7185,7 +7245,7 @@
                 <a:effectLst/>
                 <a:extLst>
                   <a:ext uri="{AF507438-7753-43e0-B8FC-AC1667EBCBE1}">
-                    <a14:hiddenEffects xmlns="" xmlns:a14="http://schemas.microsoft.com/office/drawing/2010/main">
+                    <a14:hiddenEffects xmlns:a14="http://schemas.microsoft.com/office/drawing/2010/main" xmlns="">
                       <a:effectLst>
                         <a:outerShdw dist="35921" dir="2700000" algn="ctr" rotWithShape="0">
                           <a:schemeClr val="bg2"/>
@@ -7284,7 +7344,7 @@
                 <a:effectLst/>
                 <a:extLst>
                   <a:ext uri="{AF507438-7753-43e0-B8FC-AC1667EBCBE1}">
-                    <a14:hiddenEffects xmlns="" xmlns:a14="http://schemas.microsoft.com/office/drawing/2010/main">
+                    <a14:hiddenEffects xmlns:a14="http://schemas.microsoft.com/office/drawing/2010/main" xmlns="">
                       <a:effectLst>
                         <a:outerShdw dist="35921" dir="2700000" algn="ctr" rotWithShape="0">
                           <a:schemeClr val="bg2"/>
@@ -7506,7 +7566,7 @@
             <a:effectLst/>
             <a:extLst>
               <a:ext uri="{AF507438-7753-43e0-B8FC-AC1667EBCBE1}">
-                <a14:hiddenEffects xmlns="" xmlns:a14="http://schemas.microsoft.com/office/drawing/2010/main">
+                <a14:hiddenEffects xmlns:a14="http://schemas.microsoft.com/office/drawing/2010/main" xmlns="">
                   <a:effectLst>
                     <a:outerShdw dist="35921" dir="2700000" algn="ctr" rotWithShape="0">
                       <a:schemeClr val="bg2"/>
@@ -7619,14 +7679,14 @@
             <a:effectLst/>
             <a:extLst>
               <a:ext uri="{909E8E84-426E-40dd-AFC4-6F175D3DCCD1}">
-                <a14:hiddenFill xmlns="" xmlns:a14="http://schemas.microsoft.com/office/drawing/2010/main">
+                <a14:hiddenFill xmlns:a14="http://schemas.microsoft.com/office/drawing/2010/main" xmlns="">
                   <a:solidFill>
                     <a:schemeClr val="accent1"/>
                   </a:solidFill>
                 </a14:hiddenFill>
               </a:ext>
               <a:ext uri="{AF507438-7753-43e0-B8FC-AC1667EBCBE1}">
-                <a14:hiddenEffects xmlns="" xmlns:a14="http://schemas.microsoft.com/office/drawing/2010/main">
+                <a14:hiddenEffects xmlns:a14="http://schemas.microsoft.com/office/drawing/2010/main" xmlns="">
                   <a:effectLst>
                     <a:outerShdw dist="35921" dir="2700000" algn="ctr" rotWithShape="0">
                       <a:schemeClr val="bg2"/>
@@ -8166,7 +8226,7 @@
               <a:effectLst/>
               <a:extLst>
                 <a:ext uri="{AF507438-7753-43e0-B8FC-AC1667EBCBE1}">
-                  <a14:hiddenEffects xmlns="" xmlns:a14="http://schemas.microsoft.com/office/drawing/2010/main">
+                  <a14:hiddenEffects xmlns:a14="http://schemas.microsoft.com/office/drawing/2010/main" xmlns="">
                     <a:effectLst>
                       <a:outerShdw dist="35921" dir="2700000" algn="ctr" rotWithShape="0">
                         <a:schemeClr val="bg2"/>
@@ -8555,7 +8615,7 @@
               <a:effectLst/>
               <a:extLst>
                 <a:ext uri="{91240B29-F687-4f45-9708-019B960494DF}">
-                  <a14:hiddenLine xmlns="" xmlns:a14="http://schemas.microsoft.com/office/drawing/2010/main" w="9525" cap="rnd">
+                  <a14:hiddenLine xmlns:a14="http://schemas.microsoft.com/office/drawing/2010/main" xmlns="" w="9525" cap="rnd">
                     <a:solidFill>
                       <a:schemeClr val="tx1"/>
                     </a:solidFill>
@@ -8565,7 +8625,7 @@
                   </a14:hiddenLine>
                 </a:ext>
                 <a:ext uri="{AF507438-7753-43e0-B8FC-AC1667EBCBE1}">
-                  <a14:hiddenEffects xmlns="" xmlns:a14="http://schemas.microsoft.com/office/drawing/2010/main">
+                  <a14:hiddenEffects xmlns:a14="http://schemas.microsoft.com/office/drawing/2010/main" xmlns="">
                     <a:effectLst>
                       <a:outerShdw dist="35921" dir="2700000" algn="ctr" rotWithShape="0">
                         <a:schemeClr val="bg2"/>
@@ -8736,7 +8796,7 @@
               <a:effectLst/>
               <a:extLst>
                 <a:ext uri="{AF507438-7753-43e0-B8FC-AC1667EBCBE1}">
-                  <a14:hiddenEffects xmlns="" xmlns:a14="http://schemas.microsoft.com/office/drawing/2010/main">
+                  <a14:hiddenEffects xmlns:a14="http://schemas.microsoft.com/office/drawing/2010/main" xmlns="">
                     <a:effectLst>
                       <a:outerShdw dist="35921" dir="2700000" algn="ctr" rotWithShape="0">
                         <a:schemeClr val="bg2"/>
@@ -9259,14 +9319,14 @@
             <a:effectLst/>
             <a:extLst>
               <a:ext uri="{909E8E84-426E-40dd-AFC4-6F175D3DCCD1}">
-                <a14:hiddenFill xmlns="" xmlns:a14="http://schemas.microsoft.com/office/drawing/2010/main">
+                <a14:hiddenFill xmlns:a14="http://schemas.microsoft.com/office/drawing/2010/main" xmlns="">
                   <a:solidFill>
                     <a:schemeClr val="accent1"/>
                   </a:solidFill>
                 </a14:hiddenFill>
               </a:ext>
               <a:ext uri="{AF507438-7753-43e0-B8FC-AC1667EBCBE1}">
-                <a14:hiddenEffects xmlns="" xmlns:a14="http://schemas.microsoft.com/office/drawing/2010/main">
+                <a14:hiddenEffects xmlns:a14="http://schemas.microsoft.com/office/drawing/2010/main" xmlns="">
                   <a:effectLst>
                     <a:outerShdw dist="35921" dir="2700000" algn="ctr" rotWithShape="0">
                       <a:schemeClr val="bg2"/>
@@ -9829,7 +9889,7 @@
               <a:effectLst/>
               <a:extLst>
                 <a:ext uri="{AF507438-7753-43e0-B8FC-AC1667EBCBE1}">
-                  <a14:hiddenEffects xmlns="" xmlns:a14="http://schemas.microsoft.com/office/drawing/2010/main">
+                  <a14:hiddenEffects xmlns:a14="http://schemas.microsoft.com/office/drawing/2010/main" xmlns="">
                     <a:effectLst>
                       <a:outerShdw dist="35921" dir="2700000" algn="ctr" rotWithShape="0">
                         <a:schemeClr val="bg2"/>
@@ -10288,7 +10348,7 @@
               <a:effectLst/>
               <a:extLst>
                 <a:ext uri="{AF507438-7753-43e0-B8FC-AC1667EBCBE1}">
-                  <a14:hiddenEffects xmlns="" xmlns:a14="http://schemas.microsoft.com/office/drawing/2010/main">
+                  <a14:hiddenEffects xmlns:a14="http://schemas.microsoft.com/office/drawing/2010/main" xmlns="">
                     <a:effectLst>
                       <a:outerShdw dist="35921" dir="2700000" algn="ctr" rotWithShape="0">
                         <a:schemeClr val="bg2"/>
@@ -10755,7 +10815,7 @@
                 <a:effectLst/>
                 <a:extLst>
                   <a:ext uri="{AF507438-7753-43e0-B8FC-AC1667EBCBE1}">
-                    <a14:hiddenEffects xmlns="" xmlns:a14="http://schemas.microsoft.com/office/drawing/2010/main">
+                    <a14:hiddenEffects xmlns:a14="http://schemas.microsoft.com/office/drawing/2010/main" xmlns="">
                       <a:effectLst>
                         <a:outerShdw dist="35921" dir="2700000" algn="ctr" rotWithShape="0">
                           <a:schemeClr val="bg2"/>
@@ -11006,7 +11066,7 @@
                 <a:effectLst/>
                 <a:extLst>
                   <a:ext uri="{AF507438-7753-43e0-B8FC-AC1667EBCBE1}">
-                    <a14:hiddenEffects xmlns="" xmlns:a14="http://schemas.microsoft.com/office/drawing/2010/main">
+                    <a14:hiddenEffects xmlns:a14="http://schemas.microsoft.com/office/drawing/2010/main" xmlns="">
                       <a:effectLst>
                         <a:outerShdw dist="35921" dir="2700000" algn="ctr" rotWithShape="0">
                           <a:schemeClr val="bg2"/>
@@ -11289,7 +11349,7 @@
                 <a:effectLst/>
                 <a:extLst>
                   <a:ext uri="{AF507438-7753-43e0-B8FC-AC1667EBCBE1}">
-                    <a14:hiddenEffects xmlns="" xmlns:a14="http://schemas.microsoft.com/office/drawing/2010/main">
+                    <a14:hiddenEffects xmlns:a14="http://schemas.microsoft.com/office/drawing/2010/main" xmlns="">
                       <a:effectLst>
                         <a:outerShdw dist="35921" dir="2700000" algn="ctr" rotWithShape="0">
                           <a:schemeClr val="bg2"/>
@@ -11351,12 +11411,12 @@
                   <a:effectLst/>
                   <a:extLst>
                     <a:ext uri="{909E8E84-426E-40dd-AFC4-6F175D3DCCD1}">
-                      <a14:hiddenFill xmlns="" xmlns:a14="http://schemas.microsoft.com/office/drawing/2010/main">
+                      <a14:hiddenFill xmlns:a14="http://schemas.microsoft.com/office/drawing/2010/main" xmlns="">
                         <a:noFill/>
                       </a14:hiddenFill>
                     </a:ext>
                     <a:ext uri="{AF507438-7753-43e0-B8FC-AC1667EBCBE1}">
-                      <a14:hiddenEffects xmlns="" xmlns:a14="http://schemas.microsoft.com/office/drawing/2010/main">
+                      <a14:hiddenEffects xmlns:a14="http://schemas.microsoft.com/office/drawing/2010/main" xmlns="">
                         <a:effectLst>
                           <a:outerShdw dist="35921" dir="2700000" algn="ctr" rotWithShape="0">
                             <a:schemeClr val="bg2"/>
@@ -11402,12 +11462,12 @@
                   <a:effectLst/>
                   <a:extLst>
                     <a:ext uri="{909E8E84-426E-40dd-AFC4-6F175D3DCCD1}">
-                      <a14:hiddenFill xmlns="" xmlns:a14="http://schemas.microsoft.com/office/drawing/2010/main">
+                      <a14:hiddenFill xmlns:a14="http://schemas.microsoft.com/office/drawing/2010/main" xmlns="">
                         <a:noFill/>
                       </a14:hiddenFill>
                     </a:ext>
                     <a:ext uri="{AF507438-7753-43e0-B8FC-AC1667EBCBE1}">
-                      <a14:hiddenEffects xmlns="" xmlns:a14="http://schemas.microsoft.com/office/drawing/2010/main">
+                      <a14:hiddenEffects xmlns:a14="http://schemas.microsoft.com/office/drawing/2010/main" xmlns="">
                         <a:effectLst>
                           <a:outerShdw dist="35921" dir="2700000" algn="ctr" rotWithShape="0">
                             <a:schemeClr val="bg2"/>
@@ -11470,12 +11530,12 @@
                   <a:effectLst/>
                   <a:extLst>
                     <a:ext uri="{909E8E84-426E-40dd-AFC4-6F175D3DCCD1}">
-                      <a14:hiddenFill xmlns="" xmlns:a14="http://schemas.microsoft.com/office/drawing/2010/main">
+                      <a14:hiddenFill xmlns:a14="http://schemas.microsoft.com/office/drawing/2010/main" xmlns="">
                         <a:noFill/>
                       </a14:hiddenFill>
                     </a:ext>
                     <a:ext uri="{AF507438-7753-43e0-B8FC-AC1667EBCBE1}">
-                      <a14:hiddenEffects xmlns="" xmlns:a14="http://schemas.microsoft.com/office/drawing/2010/main">
+                      <a14:hiddenEffects xmlns:a14="http://schemas.microsoft.com/office/drawing/2010/main" xmlns="">
                         <a:effectLst>
                           <a:outerShdw dist="35921" dir="2700000" algn="ctr" rotWithShape="0">
                             <a:schemeClr val="bg2"/>
@@ -11521,12 +11581,12 @@
                   <a:effectLst/>
                   <a:extLst>
                     <a:ext uri="{909E8E84-426E-40dd-AFC4-6F175D3DCCD1}">
-                      <a14:hiddenFill xmlns="" xmlns:a14="http://schemas.microsoft.com/office/drawing/2010/main">
+                      <a14:hiddenFill xmlns:a14="http://schemas.microsoft.com/office/drawing/2010/main" xmlns="">
                         <a:noFill/>
                       </a14:hiddenFill>
                     </a:ext>
                     <a:ext uri="{AF507438-7753-43e0-B8FC-AC1667EBCBE1}">
-                      <a14:hiddenEffects xmlns="" xmlns:a14="http://schemas.microsoft.com/office/drawing/2010/main">
+                      <a14:hiddenEffects xmlns:a14="http://schemas.microsoft.com/office/drawing/2010/main" xmlns="">
                         <a:effectLst>
                           <a:outerShdw dist="35921" dir="2700000" algn="ctr" rotWithShape="0">
                             <a:schemeClr val="bg2"/>
@@ -11634,7 +11694,7 @@
                 <a:effectLst/>
                 <a:extLst>
                   <a:ext uri="{AF507438-7753-43e0-B8FC-AC1667EBCBE1}">
-                    <a14:hiddenEffects xmlns="" xmlns:a14="http://schemas.microsoft.com/office/drawing/2010/main">
+                    <a14:hiddenEffects xmlns:a14="http://schemas.microsoft.com/office/drawing/2010/main" xmlns="">
                       <a:effectLst>
                         <a:outerShdw dist="35921" dir="2700000" algn="ctr" rotWithShape="0">
                           <a:schemeClr val="bg2"/>
@@ -11830,7 +11890,7 @@
                 <a:effectLst/>
                 <a:extLst>
                   <a:ext uri="{AF507438-7753-43e0-B8FC-AC1667EBCBE1}">
-                    <a14:hiddenEffects xmlns="" xmlns:a14="http://schemas.microsoft.com/office/drawing/2010/main">
+                    <a14:hiddenEffects xmlns:a14="http://schemas.microsoft.com/office/drawing/2010/main" xmlns="">
                       <a:effectLst>
                         <a:outerShdw dist="35921" dir="2700000" algn="ctr" rotWithShape="0">
                           <a:schemeClr val="bg2"/>
@@ -12009,7 +12069,7 @@
                 <a:effectLst/>
                 <a:extLst>
                   <a:ext uri="{AF507438-7753-43e0-B8FC-AC1667EBCBE1}">
-                    <a14:hiddenEffects xmlns="" xmlns:a14="http://schemas.microsoft.com/office/drawing/2010/main">
+                    <a14:hiddenEffects xmlns:a14="http://schemas.microsoft.com/office/drawing/2010/main" xmlns="">
                       <a:effectLst>
                         <a:outerShdw dist="35921" dir="2700000" algn="ctr" rotWithShape="0">
                           <a:schemeClr val="bg2"/>
@@ -12165,7 +12225,7 @@
               <a:effectLst/>
               <a:extLst>
                 <a:ext uri="{AF507438-7753-43e0-B8FC-AC1667EBCBE1}">
-                  <a14:hiddenEffects xmlns="" xmlns:a14="http://schemas.microsoft.com/office/drawing/2010/main">
+                  <a14:hiddenEffects xmlns:a14="http://schemas.microsoft.com/office/drawing/2010/main" xmlns="">
                     <a:effectLst>
                       <a:outerShdw dist="35921" dir="2700000" algn="ctr" rotWithShape="0">
                         <a:schemeClr val="bg2"/>
@@ -12334,14 +12394,14 @@
                 <a:effectLst/>
                 <a:extLst>
                   <a:ext uri="{909E8E84-426E-40dd-AFC4-6F175D3DCCD1}">
-                    <a14:hiddenFill xmlns="" xmlns:a14="http://schemas.microsoft.com/office/drawing/2010/main">
+                    <a14:hiddenFill xmlns:a14="http://schemas.microsoft.com/office/drawing/2010/main" xmlns="">
                       <a:solidFill>
                         <a:schemeClr val="accent1"/>
                       </a:solidFill>
                     </a14:hiddenFill>
                   </a:ext>
                   <a:ext uri="{AF507438-7753-43e0-B8FC-AC1667EBCBE1}">
-                    <a14:hiddenEffects xmlns="" xmlns:a14="http://schemas.microsoft.com/office/drawing/2010/main">
+                    <a14:hiddenEffects xmlns:a14="http://schemas.microsoft.com/office/drawing/2010/main" xmlns="">
                       <a:effectLst>
                         <a:outerShdw dist="35921" dir="2700000" algn="ctr" rotWithShape="0">
                           <a:schemeClr val="bg2"/>
@@ -12462,14 +12522,14 @@
                   <a:effectLst/>
                   <a:extLst>
                     <a:ext uri="{909E8E84-426E-40dd-AFC4-6F175D3DCCD1}">
-                      <a14:hiddenFill xmlns="" xmlns:a14="http://schemas.microsoft.com/office/drawing/2010/main">
+                      <a14:hiddenFill xmlns:a14="http://schemas.microsoft.com/office/drawing/2010/main" xmlns="">
                         <a:solidFill>
                           <a:schemeClr val="accent1"/>
                         </a:solidFill>
                       </a14:hiddenFill>
                     </a:ext>
                     <a:ext uri="{AF507438-7753-43e0-B8FC-AC1667EBCBE1}">
-                      <a14:hiddenEffects xmlns="" xmlns:a14="http://schemas.microsoft.com/office/drawing/2010/main">
+                      <a14:hiddenEffects xmlns:a14="http://schemas.microsoft.com/office/drawing/2010/main" xmlns="">
                         <a:effectLst>
                           <a:outerShdw dist="35921" dir="2700000" algn="ctr" rotWithShape="0">
                             <a:schemeClr val="bg2"/>
@@ -12598,14 +12658,14 @@
                   <a:effectLst/>
                   <a:extLst>
                     <a:ext uri="{909E8E84-426E-40dd-AFC4-6F175D3DCCD1}">
-                      <a14:hiddenFill xmlns="" xmlns:a14="http://schemas.microsoft.com/office/drawing/2010/main">
+                      <a14:hiddenFill xmlns:a14="http://schemas.microsoft.com/office/drawing/2010/main" xmlns="">
                         <a:solidFill>
                           <a:schemeClr val="accent1"/>
                         </a:solidFill>
                       </a14:hiddenFill>
                     </a:ext>
                     <a:ext uri="{AF507438-7753-43e0-B8FC-AC1667EBCBE1}">
-                      <a14:hiddenEffects xmlns="" xmlns:a14="http://schemas.microsoft.com/office/drawing/2010/main">
+                      <a14:hiddenEffects xmlns:a14="http://schemas.microsoft.com/office/drawing/2010/main" xmlns="">
                         <a:effectLst>
                           <a:outerShdw dist="35921" dir="2700000" algn="ctr" rotWithShape="0">
                             <a:schemeClr val="bg2"/>
@@ -12719,14 +12779,14 @@
                 <a:effectLst/>
                 <a:extLst>
                   <a:ext uri="{909E8E84-426E-40dd-AFC4-6F175D3DCCD1}">
-                    <a14:hiddenFill xmlns="" xmlns:a14="http://schemas.microsoft.com/office/drawing/2010/main">
+                    <a14:hiddenFill xmlns:a14="http://schemas.microsoft.com/office/drawing/2010/main" xmlns="">
                       <a:solidFill>
                         <a:schemeClr val="accent1"/>
                       </a:solidFill>
                     </a14:hiddenFill>
                   </a:ext>
                   <a:ext uri="{AF507438-7753-43e0-B8FC-AC1667EBCBE1}">
-                    <a14:hiddenEffects xmlns="" xmlns:a14="http://schemas.microsoft.com/office/drawing/2010/main">
+                    <a14:hiddenEffects xmlns:a14="http://schemas.microsoft.com/office/drawing/2010/main" xmlns="">
                       <a:effectLst>
                         <a:outerShdw dist="35921" dir="2700000" algn="ctr" rotWithShape="0">
                           <a:schemeClr val="bg2"/>
@@ -12815,14 +12875,14 @@
                 <a:effectLst/>
                 <a:extLst>
                   <a:ext uri="{909E8E84-426E-40dd-AFC4-6F175D3DCCD1}">
-                    <a14:hiddenFill xmlns="" xmlns:a14="http://schemas.microsoft.com/office/drawing/2010/main">
+                    <a14:hiddenFill xmlns:a14="http://schemas.microsoft.com/office/drawing/2010/main" xmlns="">
                       <a:solidFill>
                         <a:schemeClr val="accent1"/>
                       </a:solidFill>
                     </a14:hiddenFill>
                   </a:ext>
                   <a:ext uri="{AF507438-7753-43e0-B8FC-AC1667EBCBE1}">
-                    <a14:hiddenEffects xmlns="" xmlns:a14="http://schemas.microsoft.com/office/drawing/2010/main">
+                    <a14:hiddenEffects xmlns:a14="http://schemas.microsoft.com/office/drawing/2010/main" xmlns="">
                       <a:effectLst>
                         <a:outerShdw dist="35921" dir="2700000" algn="ctr" rotWithShape="0">
                           <a:schemeClr val="bg2"/>
@@ -13011,7 +13071,7 @@
                   <a:effectLst/>
                   <a:extLst>
                     <a:ext uri="{91240B29-F687-4f45-9708-019B960494DF}">
-                      <a14:hiddenLine xmlns="" xmlns:a14="http://schemas.microsoft.com/office/drawing/2010/main" w="9525" cap="rnd">
+                      <a14:hiddenLine xmlns:a14="http://schemas.microsoft.com/office/drawing/2010/main" xmlns="" w="9525" cap="rnd">
                         <a:solidFill>
                           <a:schemeClr val="tx1"/>
                         </a:solidFill>
@@ -13021,7 +13081,7 @@
                       </a14:hiddenLine>
                     </a:ext>
                     <a:ext uri="{AF507438-7753-43e0-B8FC-AC1667EBCBE1}">
-                      <a14:hiddenEffects xmlns="" xmlns:a14="http://schemas.microsoft.com/office/drawing/2010/main">
+                      <a14:hiddenEffects xmlns:a14="http://schemas.microsoft.com/office/drawing/2010/main" xmlns="">
                         <a:effectLst>
                           <a:outerShdw dist="35921" dir="2700000" algn="ctr" rotWithShape="0">
                             <a:schemeClr val="bg2"/>
@@ -13190,14 +13250,14 @@
                   <a:effectLst/>
                   <a:extLst>
                     <a:ext uri="{909E8E84-426E-40dd-AFC4-6F175D3DCCD1}">
-                      <a14:hiddenFill xmlns="" xmlns:a14="http://schemas.microsoft.com/office/drawing/2010/main">
+                      <a14:hiddenFill xmlns:a14="http://schemas.microsoft.com/office/drawing/2010/main" xmlns="">
                         <a:solidFill>
                           <a:schemeClr val="accent1"/>
                         </a:solidFill>
                       </a14:hiddenFill>
                     </a:ext>
                     <a:ext uri="{AF507438-7753-43e0-B8FC-AC1667EBCBE1}">
-                      <a14:hiddenEffects xmlns="" xmlns:a14="http://schemas.microsoft.com/office/drawing/2010/main">
+                      <a14:hiddenEffects xmlns:a14="http://schemas.microsoft.com/office/drawing/2010/main" xmlns="">
                         <a:effectLst>
                           <a:outerShdw dist="35921" dir="2700000" algn="ctr" rotWithShape="0">
                             <a:schemeClr val="bg2"/>
@@ -13427,7 +13487,7 @@
               <a:effectLst/>
               <a:extLst>
                 <a:ext uri="{AF507438-7753-43e0-B8FC-AC1667EBCBE1}">
-                  <a14:hiddenEffects xmlns="" xmlns:a14="http://schemas.microsoft.com/office/drawing/2010/main">
+                  <a14:hiddenEffects xmlns:a14="http://schemas.microsoft.com/office/drawing/2010/main" xmlns="">
                     <a:effectLst>
                       <a:outerShdw dist="35921" dir="2700000" algn="ctr" rotWithShape="0">
                         <a:schemeClr val="bg2"/>
@@ -13614,7 +13674,7 @@
               <a:effectLst/>
               <a:extLst>
                 <a:ext uri="{AF507438-7753-43e0-B8FC-AC1667EBCBE1}">
-                  <a14:hiddenEffects xmlns="" xmlns:a14="http://schemas.microsoft.com/office/drawing/2010/main">
+                  <a14:hiddenEffects xmlns:a14="http://schemas.microsoft.com/office/drawing/2010/main" xmlns="">
                     <a:effectLst>
                       <a:outerShdw dist="35921" dir="2700000" algn="ctr" rotWithShape="0">
                         <a:schemeClr val="bg2"/>
@@ -14098,7 +14158,7 @@
                 <a:effectLst/>
                 <a:extLst>
                   <a:ext uri="{AF507438-7753-43e0-B8FC-AC1667EBCBE1}">
-                    <a14:hiddenEffects xmlns="" xmlns:a14="http://schemas.microsoft.com/office/drawing/2010/main">
+                    <a14:hiddenEffects xmlns:a14="http://schemas.microsoft.com/office/drawing/2010/main" xmlns="">
                       <a:effectLst>
                         <a:outerShdw dist="35921" dir="2700000" algn="ctr" rotWithShape="0">
                           <a:schemeClr val="bg2"/>
@@ -14255,7 +14315,7 @@
                   <a:effectLst/>
                   <a:extLst>
                     <a:ext uri="{91240B29-F687-4f45-9708-019B960494DF}">
-                      <a14:hiddenLine xmlns="" xmlns:a14="http://schemas.microsoft.com/office/drawing/2010/main" w="9525" cap="rnd">
+                      <a14:hiddenLine xmlns:a14="http://schemas.microsoft.com/office/drawing/2010/main" xmlns="" w="9525" cap="rnd">
                         <a:solidFill>
                           <a:schemeClr val="tx1"/>
                         </a:solidFill>
@@ -14265,7 +14325,7 @@
                       </a14:hiddenLine>
                     </a:ext>
                     <a:ext uri="{AF507438-7753-43e0-B8FC-AC1667EBCBE1}">
-                      <a14:hiddenEffects xmlns="" xmlns:a14="http://schemas.microsoft.com/office/drawing/2010/main">
+                      <a14:hiddenEffects xmlns:a14="http://schemas.microsoft.com/office/drawing/2010/main" xmlns="">
                         <a:effectLst>
                           <a:outerShdw dist="35921" dir="2700000" algn="ctr" rotWithShape="0">
                             <a:schemeClr val="bg2"/>
@@ -14386,14 +14446,14 @@
                     <a:effectLst/>
                     <a:extLst>
                       <a:ext uri="{909E8E84-426E-40dd-AFC4-6F175D3DCCD1}">
-                        <a14:hiddenFill xmlns="" xmlns:a14="http://schemas.microsoft.com/office/drawing/2010/main">
+                        <a14:hiddenFill xmlns:a14="http://schemas.microsoft.com/office/drawing/2010/main" xmlns="">
                           <a:solidFill>
                             <a:schemeClr val="accent1"/>
                           </a:solidFill>
                         </a14:hiddenFill>
                       </a:ext>
                       <a:ext uri="{AF507438-7753-43e0-B8FC-AC1667EBCBE1}">
-                        <a14:hiddenEffects xmlns="" xmlns:a14="http://schemas.microsoft.com/office/drawing/2010/main">
+                        <a14:hiddenEffects xmlns:a14="http://schemas.microsoft.com/office/drawing/2010/main" xmlns="">
                           <a:effectLst>
                             <a:outerShdw dist="35921" dir="2700000" algn="ctr" rotWithShape="0">
                               <a:schemeClr val="bg2"/>
@@ -14530,14 +14590,14 @@
                     <a:effectLst/>
                     <a:extLst>
                       <a:ext uri="{909E8E84-426E-40dd-AFC4-6F175D3DCCD1}">
-                        <a14:hiddenFill xmlns="" xmlns:a14="http://schemas.microsoft.com/office/drawing/2010/main">
+                        <a14:hiddenFill xmlns:a14="http://schemas.microsoft.com/office/drawing/2010/main" xmlns="">
                           <a:solidFill>
                             <a:schemeClr val="accent1"/>
                           </a:solidFill>
                         </a14:hiddenFill>
                       </a:ext>
                       <a:ext uri="{AF507438-7753-43e0-B8FC-AC1667EBCBE1}">
-                        <a14:hiddenEffects xmlns="" xmlns:a14="http://schemas.microsoft.com/office/drawing/2010/main">
+                        <a14:hiddenEffects xmlns:a14="http://schemas.microsoft.com/office/drawing/2010/main" xmlns="">
                           <a:effectLst>
                             <a:outerShdw dist="35921" dir="2700000" algn="ctr" rotWithShape="0">
                               <a:schemeClr val="bg2"/>
@@ -14583,12 +14643,12 @@
                     <a:effectLst/>
                     <a:extLst>
                       <a:ext uri="{909E8E84-426E-40dd-AFC4-6F175D3DCCD1}">
-                        <a14:hiddenFill xmlns="" xmlns:a14="http://schemas.microsoft.com/office/drawing/2010/main">
+                        <a14:hiddenFill xmlns:a14="http://schemas.microsoft.com/office/drawing/2010/main" xmlns="">
                           <a:noFill/>
                         </a14:hiddenFill>
                       </a:ext>
                       <a:ext uri="{AF507438-7753-43e0-B8FC-AC1667EBCBE1}">
-                        <a14:hiddenEffects xmlns="" xmlns:a14="http://schemas.microsoft.com/office/drawing/2010/main">
+                        <a14:hiddenEffects xmlns:a14="http://schemas.microsoft.com/office/drawing/2010/main" xmlns="">
                           <a:effectLst>
                             <a:outerShdw dist="35921" dir="2700000" algn="ctr" rotWithShape="0">
                               <a:schemeClr val="bg2"/>
@@ -14685,14 +14745,14 @@
                     <a:effectLst/>
                     <a:extLst>
                       <a:ext uri="{909E8E84-426E-40dd-AFC4-6F175D3DCCD1}">
-                        <a14:hiddenFill xmlns="" xmlns:a14="http://schemas.microsoft.com/office/drawing/2010/main">
+                        <a14:hiddenFill xmlns:a14="http://schemas.microsoft.com/office/drawing/2010/main" xmlns="">
                           <a:solidFill>
                             <a:schemeClr val="accent1"/>
                           </a:solidFill>
                         </a14:hiddenFill>
                       </a:ext>
                       <a:ext uri="{AF507438-7753-43e0-B8FC-AC1667EBCBE1}">
-                        <a14:hiddenEffects xmlns="" xmlns:a14="http://schemas.microsoft.com/office/drawing/2010/main">
+                        <a14:hiddenEffects xmlns:a14="http://schemas.microsoft.com/office/drawing/2010/main" xmlns="">
                           <a:effectLst>
                             <a:outerShdw dist="35921" dir="2700000" algn="ctr" rotWithShape="0">
                               <a:schemeClr val="bg2"/>
@@ -15144,14 +15204,14 @@
               <a:effectLst/>
               <a:extLst>
                 <a:ext uri="{909E8E84-426E-40dd-AFC4-6F175D3DCCD1}">
-                  <a14:hiddenFill xmlns="" xmlns:a14="http://schemas.microsoft.com/office/drawing/2010/main">
+                  <a14:hiddenFill xmlns:a14="http://schemas.microsoft.com/office/drawing/2010/main" xmlns="">
                     <a:solidFill>
                       <a:schemeClr val="accent1"/>
                     </a:solidFill>
                   </a14:hiddenFill>
                 </a:ext>
                 <a:ext uri="{AF507438-7753-43e0-B8FC-AC1667EBCBE1}">
-                  <a14:hiddenEffects xmlns="" xmlns:a14="http://schemas.microsoft.com/office/drawing/2010/main">
+                  <a14:hiddenEffects xmlns:a14="http://schemas.microsoft.com/office/drawing/2010/main" xmlns="">
                     <a:effectLst>
                       <a:outerShdw dist="35921" dir="2700000" algn="ctr" rotWithShape="0">
                         <a:schemeClr val="bg2"/>
@@ -15475,7 +15535,7 @@
                 <a:effectLst/>
                 <a:extLst>
                   <a:ext uri="{AF507438-7753-43e0-B8FC-AC1667EBCBE1}">
-                    <a14:hiddenEffects xmlns="" xmlns:a14="http://schemas.microsoft.com/office/drawing/2010/main">
+                    <a14:hiddenEffects xmlns:a14="http://schemas.microsoft.com/office/drawing/2010/main" xmlns="">
                       <a:effectLst>
                         <a:outerShdw dist="35921" dir="2700000" algn="ctr" rotWithShape="0">
                           <a:schemeClr val="bg2"/>
@@ -15608,7 +15668,7 @@
                 <a:effectLst/>
                 <a:extLst>
                   <a:ext uri="{91240B29-F687-4f45-9708-019B960494DF}">
-                    <a14:hiddenLine xmlns="" xmlns:a14="http://schemas.microsoft.com/office/drawing/2010/main" w="9525" cap="rnd">
+                    <a14:hiddenLine xmlns:a14="http://schemas.microsoft.com/office/drawing/2010/main" xmlns="" w="9525" cap="rnd">
                       <a:solidFill>
                         <a:schemeClr val="tx1"/>
                       </a:solidFill>
@@ -15618,7 +15678,7 @@
                     </a14:hiddenLine>
                   </a:ext>
                   <a:ext uri="{AF507438-7753-43e0-B8FC-AC1667EBCBE1}">
-                    <a14:hiddenEffects xmlns="" xmlns:a14="http://schemas.microsoft.com/office/drawing/2010/main">
+                    <a14:hiddenEffects xmlns:a14="http://schemas.microsoft.com/office/drawing/2010/main" xmlns="">
                       <a:effectLst>
                         <a:outerShdw dist="35921" dir="2700000" algn="ctr" rotWithShape="0">
                           <a:schemeClr val="bg2"/>
@@ -15908,14 +15968,14 @@
               <a:effectLst/>
               <a:extLst>
                 <a:ext uri="{909E8E84-426E-40dd-AFC4-6F175D3DCCD1}">
-                  <a14:hiddenFill xmlns="" xmlns:a14="http://schemas.microsoft.com/office/drawing/2010/main">
+                  <a14:hiddenFill xmlns:a14="http://schemas.microsoft.com/office/drawing/2010/main" xmlns="">
                     <a:solidFill>
                       <a:schemeClr val="accent1"/>
                     </a:solidFill>
                   </a14:hiddenFill>
                 </a:ext>
                 <a:ext uri="{AF507438-7753-43e0-B8FC-AC1667EBCBE1}">
-                  <a14:hiddenEffects xmlns="" xmlns:a14="http://schemas.microsoft.com/office/drawing/2010/main">
+                  <a14:hiddenEffects xmlns:a14="http://schemas.microsoft.com/office/drawing/2010/main" xmlns="">
                     <a:effectLst>
                       <a:outerShdw dist="35921" dir="2700000" algn="ctr" rotWithShape="0">
                         <a:schemeClr val="bg2"/>
@@ -16416,7 +16476,7 @@
             <a:effectLst/>
             <a:extLst>
               <a:ext uri="{AF507438-7753-43e0-B8FC-AC1667EBCBE1}">
-                <a14:hiddenEffects xmlns="" xmlns:a14="http://schemas.microsoft.com/office/drawing/2010/main">
+                <a14:hiddenEffects xmlns:a14="http://schemas.microsoft.com/office/drawing/2010/main" xmlns="">
                   <a:effectLst>
                     <a:outerShdw dist="35921" dir="2700000" algn="ctr" rotWithShape="0">
                       <a:schemeClr val="bg2"/>
@@ -16739,7 +16799,7 @@
             <a:effectLst/>
             <a:extLst>
               <a:ext uri="{AF507438-7753-43e0-B8FC-AC1667EBCBE1}">
-                <a14:hiddenEffects xmlns="" xmlns:a14="http://schemas.microsoft.com/office/drawing/2010/main">
+                <a14:hiddenEffects xmlns:a14="http://schemas.microsoft.com/office/drawing/2010/main" xmlns="">
                   <a:effectLst>
                     <a:outerShdw dist="35921" dir="2700000" algn="ctr" rotWithShape="0">
                       <a:schemeClr val="bg2"/>
@@ -16900,14 +16960,14 @@
                 <a:effectLst/>
                 <a:extLst>
                   <a:ext uri="{909E8E84-426E-40dd-AFC4-6F175D3DCCD1}">
-                    <a14:hiddenFill xmlns="" xmlns:a14="http://schemas.microsoft.com/office/drawing/2010/main">
+                    <a14:hiddenFill xmlns:a14="http://schemas.microsoft.com/office/drawing/2010/main" xmlns="">
                       <a:solidFill>
                         <a:schemeClr val="accent1"/>
                       </a:solidFill>
                     </a14:hiddenFill>
                   </a:ext>
                   <a:ext uri="{AF507438-7753-43e0-B8FC-AC1667EBCBE1}">
-                    <a14:hiddenEffects xmlns="" xmlns:a14="http://schemas.microsoft.com/office/drawing/2010/main">
+                    <a14:hiddenEffects xmlns:a14="http://schemas.microsoft.com/office/drawing/2010/main" xmlns="">
                       <a:effectLst>
                         <a:outerShdw dist="35921" dir="2700000" algn="ctr" rotWithShape="0">
                           <a:schemeClr val="bg2"/>
@@ -16996,14 +17056,14 @@
                 <a:effectLst/>
                 <a:extLst>
                   <a:ext uri="{909E8E84-426E-40dd-AFC4-6F175D3DCCD1}">
-                    <a14:hiddenFill xmlns="" xmlns:a14="http://schemas.microsoft.com/office/drawing/2010/main">
+                    <a14:hiddenFill xmlns:a14="http://schemas.microsoft.com/office/drawing/2010/main" xmlns="">
                       <a:solidFill>
                         <a:schemeClr val="accent1"/>
                       </a:solidFill>
                     </a14:hiddenFill>
                   </a:ext>
                   <a:ext uri="{AF507438-7753-43e0-B8FC-AC1667EBCBE1}">
-                    <a14:hiddenEffects xmlns="" xmlns:a14="http://schemas.microsoft.com/office/drawing/2010/main">
+                    <a14:hiddenEffects xmlns:a14="http://schemas.microsoft.com/office/drawing/2010/main" xmlns="">
                       <a:effectLst>
                         <a:outerShdw dist="35921" dir="2700000" algn="ctr" rotWithShape="0">
                           <a:schemeClr val="bg2"/>
@@ -17148,14 +17208,14 @@
                 <a:effectLst/>
                 <a:extLst>
                   <a:ext uri="{909E8E84-426E-40dd-AFC4-6F175D3DCCD1}">
-                    <a14:hiddenFill xmlns="" xmlns:a14="http://schemas.microsoft.com/office/drawing/2010/main">
+                    <a14:hiddenFill xmlns:a14="http://schemas.microsoft.com/office/drawing/2010/main" xmlns="">
                       <a:solidFill>
                         <a:schemeClr val="accent1"/>
                       </a:solidFill>
                     </a14:hiddenFill>
                   </a:ext>
                   <a:ext uri="{AF507438-7753-43e0-B8FC-AC1667EBCBE1}">
-                    <a14:hiddenEffects xmlns="" xmlns:a14="http://schemas.microsoft.com/office/drawing/2010/main">
+                    <a14:hiddenEffects xmlns:a14="http://schemas.microsoft.com/office/drawing/2010/main" xmlns="">
                       <a:effectLst>
                         <a:outerShdw dist="35921" dir="2700000" algn="ctr" rotWithShape="0">
                           <a:schemeClr val="bg2"/>
@@ -17325,14 +17385,14 @@
                 <a:effectLst/>
                 <a:extLst>
                   <a:ext uri="{909E8E84-426E-40dd-AFC4-6F175D3DCCD1}">
-                    <a14:hiddenFill xmlns="" xmlns:a14="http://schemas.microsoft.com/office/drawing/2010/main">
+                    <a14:hiddenFill xmlns:a14="http://schemas.microsoft.com/office/drawing/2010/main" xmlns="">
                       <a:solidFill>
                         <a:schemeClr val="accent1"/>
                       </a:solidFill>
                     </a14:hiddenFill>
                   </a:ext>
                   <a:ext uri="{AF507438-7753-43e0-B8FC-AC1667EBCBE1}">
-                    <a14:hiddenEffects xmlns="" xmlns:a14="http://schemas.microsoft.com/office/drawing/2010/main">
+                    <a14:hiddenEffects xmlns:a14="http://schemas.microsoft.com/office/drawing/2010/main" xmlns="">
                       <a:effectLst>
                         <a:outerShdw dist="35921" dir="2700000" algn="ctr" rotWithShape="0">
                           <a:schemeClr val="bg2"/>
@@ -17533,14 +17593,14 @@
                 <a:effectLst/>
                 <a:extLst>
                   <a:ext uri="{909E8E84-426E-40dd-AFC4-6F175D3DCCD1}">
-                    <a14:hiddenFill xmlns="" xmlns:a14="http://schemas.microsoft.com/office/drawing/2010/main">
+                    <a14:hiddenFill xmlns:a14="http://schemas.microsoft.com/office/drawing/2010/main" xmlns="">
                       <a:solidFill>
                         <a:schemeClr val="accent1"/>
                       </a:solidFill>
                     </a14:hiddenFill>
                   </a:ext>
                   <a:ext uri="{AF507438-7753-43e0-B8FC-AC1667EBCBE1}">
-                    <a14:hiddenEffects xmlns="" xmlns:a14="http://schemas.microsoft.com/office/drawing/2010/main">
+                    <a14:hiddenEffects xmlns:a14="http://schemas.microsoft.com/office/drawing/2010/main" xmlns="">
                       <a:effectLst>
                         <a:outerShdw dist="35921" dir="2700000" algn="ctr" rotWithShape="0">
                           <a:schemeClr val="bg2"/>
@@ -17586,12 +17646,12 @@
                 <a:effectLst/>
                 <a:extLst>
                   <a:ext uri="{909E8E84-426E-40dd-AFC4-6F175D3DCCD1}">
-                    <a14:hiddenFill xmlns="" xmlns:a14="http://schemas.microsoft.com/office/drawing/2010/main">
+                    <a14:hiddenFill xmlns:a14="http://schemas.microsoft.com/office/drawing/2010/main" xmlns="">
                       <a:noFill/>
                     </a14:hiddenFill>
                   </a:ext>
                   <a:ext uri="{AF507438-7753-43e0-B8FC-AC1667EBCBE1}">
-                    <a14:hiddenEffects xmlns="" xmlns:a14="http://schemas.microsoft.com/office/drawing/2010/main">
+                    <a14:hiddenEffects xmlns:a14="http://schemas.microsoft.com/office/drawing/2010/main" xmlns="">
                       <a:effectLst>
                         <a:outerShdw dist="35921" dir="2700000" algn="ctr" rotWithShape="0">
                           <a:schemeClr val="bg2"/>
@@ -18024,7 +18084,7 @@
             <a:effectLst/>
             <a:extLst>
               <a:ext uri="{AF507438-7753-43e0-B8FC-AC1667EBCBE1}">
-                <a14:hiddenEffects xmlns="" xmlns:a14="http://schemas.microsoft.com/office/drawing/2010/main">
+                <a14:hiddenEffects xmlns:a14="http://schemas.microsoft.com/office/drawing/2010/main" xmlns="">
                   <a:effectLst>
                     <a:outerShdw dist="35921" dir="2700000" algn="ctr" rotWithShape="0">
                       <a:schemeClr val="bg2"/>
@@ -18435,7 +18495,7 @@
             <a:effectLst/>
             <a:extLst>
               <a:ext uri="{AF507438-7753-43e0-B8FC-AC1667EBCBE1}">
-                <a14:hiddenEffects xmlns="" xmlns:a14="http://schemas.microsoft.com/office/drawing/2010/main">
+                <a14:hiddenEffects xmlns:a14="http://schemas.microsoft.com/office/drawing/2010/main" xmlns="">
                   <a:effectLst>
                     <a:outerShdw dist="35921" dir="2700000" algn="ctr" rotWithShape="0">
                       <a:schemeClr val="bg2"/>
@@ -18531,7 +18591,7 @@
                   <a:effectLst/>
                   <a:extLst>
                     <a:ext uri="{AF507438-7753-43e0-B8FC-AC1667EBCBE1}">
-                      <a14:hiddenEffects xmlns="" xmlns:a14="http://schemas.microsoft.com/office/drawing/2010/main">
+                      <a14:hiddenEffects xmlns:a14="http://schemas.microsoft.com/office/drawing/2010/main" xmlns="">
                         <a:effectLst>
                           <a:outerShdw dist="35921" dir="2700000" algn="ctr" rotWithShape="0">
                             <a:schemeClr val="bg2"/>
@@ -18579,7 +18639,7 @@
                   <a:effectLst/>
                   <a:extLst>
                     <a:ext uri="{AF507438-7753-43e0-B8FC-AC1667EBCBE1}">
-                      <a14:hiddenEffects xmlns="" xmlns:a14="http://schemas.microsoft.com/office/drawing/2010/main">
+                      <a14:hiddenEffects xmlns:a14="http://schemas.microsoft.com/office/drawing/2010/main" xmlns="">
                         <a:effectLst>
                           <a:outerShdw dist="35921" dir="2700000" algn="ctr" rotWithShape="0">
                             <a:schemeClr val="bg2"/>
@@ -18622,7 +18682,7 @@
                   <a:effectLst/>
                   <a:extLst>
                     <a:ext uri="{91240B29-F687-4f45-9708-019B960494DF}">
-                      <a14:hiddenLine xmlns="" xmlns:a14="http://schemas.microsoft.com/office/drawing/2010/main" w="9525">
+                      <a14:hiddenLine xmlns:a14="http://schemas.microsoft.com/office/drawing/2010/main" xmlns="" w="9525">
                         <a:solidFill>
                           <a:schemeClr val="tx1"/>
                         </a:solidFill>
@@ -18632,7 +18692,7 @@
                       </a14:hiddenLine>
                     </a:ext>
                     <a:ext uri="{AF507438-7753-43e0-B8FC-AC1667EBCBE1}">
-                      <a14:hiddenEffects xmlns="" xmlns:a14="http://schemas.microsoft.com/office/drawing/2010/main">
+                      <a14:hiddenEffects xmlns:a14="http://schemas.microsoft.com/office/drawing/2010/main" xmlns="">
                         <a:effectLst>
                           <a:outerShdw dist="35921" dir="2700000" algn="ctr" rotWithShape="0">
                             <a:schemeClr val="bg2"/>
@@ -18697,7 +18757,7 @@
                   <a:effectLst/>
                   <a:extLst>
                     <a:ext uri="{AF507438-7753-43e0-B8FC-AC1667EBCBE1}">
-                      <a14:hiddenEffects xmlns="" xmlns:a14="http://schemas.microsoft.com/office/drawing/2010/main">
+                      <a14:hiddenEffects xmlns:a14="http://schemas.microsoft.com/office/drawing/2010/main" xmlns="">
                         <a:effectLst>
                           <a:outerShdw dist="35921" dir="2700000" algn="ctr" rotWithShape="0">
                             <a:schemeClr val="bg2"/>
@@ -18745,7 +18805,7 @@
                   <a:effectLst/>
                   <a:extLst>
                     <a:ext uri="{AF507438-7753-43e0-B8FC-AC1667EBCBE1}">
-                      <a14:hiddenEffects xmlns="" xmlns:a14="http://schemas.microsoft.com/office/drawing/2010/main">
+                      <a14:hiddenEffects xmlns:a14="http://schemas.microsoft.com/office/drawing/2010/main" xmlns="">
                         <a:effectLst>
                           <a:outerShdw dist="35921" dir="2700000" algn="ctr" rotWithShape="0">
                             <a:schemeClr val="bg2"/>
@@ -18788,7 +18848,7 @@
                   <a:effectLst/>
                   <a:extLst>
                     <a:ext uri="{91240B29-F687-4f45-9708-019B960494DF}">
-                      <a14:hiddenLine xmlns="" xmlns:a14="http://schemas.microsoft.com/office/drawing/2010/main" w="9525">
+                      <a14:hiddenLine xmlns:a14="http://schemas.microsoft.com/office/drawing/2010/main" xmlns="" w="9525">
                         <a:solidFill>
                           <a:schemeClr val="tx1"/>
                         </a:solidFill>
@@ -18798,7 +18858,7 @@
                       </a14:hiddenLine>
                     </a:ext>
                     <a:ext uri="{AF507438-7753-43e0-B8FC-AC1667EBCBE1}">
-                      <a14:hiddenEffects xmlns="" xmlns:a14="http://schemas.microsoft.com/office/drawing/2010/main">
+                      <a14:hiddenEffects xmlns:a14="http://schemas.microsoft.com/office/drawing/2010/main" xmlns="">
                         <a:effectLst>
                           <a:outerShdw dist="35921" dir="2700000" algn="ctr" rotWithShape="0">
                             <a:schemeClr val="bg2"/>
@@ -18977,14 +19037,14 @@
                   <a:effectLst/>
                   <a:extLst>
                     <a:ext uri="{909E8E84-426E-40dd-AFC4-6F175D3DCCD1}">
-                      <a14:hiddenFill xmlns="" xmlns:a14="http://schemas.microsoft.com/office/drawing/2010/main">
+                      <a14:hiddenFill xmlns:a14="http://schemas.microsoft.com/office/drawing/2010/main" xmlns="">
                         <a:solidFill>
                           <a:schemeClr val="accent1"/>
                         </a:solidFill>
                       </a14:hiddenFill>
                     </a:ext>
                     <a:ext uri="{AF507438-7753-43e0-B8FC-AC1667EBCBE1}">
-                      <a14:hiddenEffects xmlns="" xmlns:a14="http://schemas.microsoft.com/office/drawing/2010/main">
+                      <a14:hiddenEffects xmlns:a14="http://schemas.microsoft.com/office/drawing/2010/main" xmlns="">
                         <a:effectLst>
                           <a:outerShdw dist="35921" dir="2700000" algn="ctr" rotWithShape="0">
                             <a:schemeClr val="bg2"/>
@@ -19089,14 +19149,14 @@
                   <a:effectLst/>
                   <a:extLst>
                     <a:ext uri="{909E8E84-426E-40dd-AFC4-6F175D3DCCD1}">
-                      <a14:hiddenFill xmlns="" xmlns:a14="http://schemas.microsoft.com/office/drawing/2010/main">
+                      <a14:hiddenFill xmlns:a14="http://schemas.microsoft.com/office/drawing/2010/main" xmlns="">
                         <a:solidFill>
                           <a:schemeClr val="accent1"/>
                         </a:solidFill>
                       </a14:hiddenFill>
                     </a:ext>
                     <a:ext uri="{AF507438-7753-43e0-B8FC-AC1667EBCBE1}">
-                      <a14:hiddenEffects xmlns="" xmlns:a14="http://schemas.microsoft.com/office/drawing/2010/main">
+                      <a14:hiddenEffects xmlns:a14="http://schemas.microsoft.com/office/drawing/2010/main" xmlns="">
                         <a:effectLst>
                           <a:outerShdw dist="35921" dir="2700000" algn="ctr" rotWithShape="0">
                             <a:schemeClr val="bg2"/>
@@ -19233,14 +19293,14 @@
                   <a:effectLst/>
                   <a:extLst>
                     <a:ext uri="{909E8E84-426E-40dd-AFC4-6F175D3DCCD1}">
-                      <a14:hiddenFill xmlns="" xmlns:a14="http://schemas.microsoft.com/office/drawing/2010/main">
+                      <a14:hiddenFill xmlns:a14="http://schemas.microsoft.com/office/drawing/2010/main" xmlns="">
                         <a:solidFill>
                           <a:schemeClr val="accent1"/>
                         </a:solidFill>
                       </a14:hiddenFill>
                     </a:ext>
                     <a:ext uri="{AF507438-7753-43e0-B8FC-AC1667EBCBE1}">
-                      <a14:hiddenEffects xmlns="" xmlns:a14="http://schemas.microsoft.com/office/drawing/2010/main">
+                      <a14:hiddenEffects xmlns:a14="http://schemas.microsoft.com/office/drawing/2010/main" xmlns="">
                         <a:effectLst>
                           <a:outerShdw dist="35921" dir="2700000" algn="ctr" rotWithShape="0">
                             <a:schemeClr val="bg2"/>
@@ -19394,14 +19454,14 @@
                   <a:effectLst/>
                   <a:extLst>
                     <a:ext uri="{909E8E84-426E-40dd-AFC4-6F175D3DCCD1}">
-                      <a14:hiddenFill xmlns="" xmlns:a14="http://schemas.microsoft.com/office/drawing/2010/main">
+                      <a14:hiddenFill xmlns:a14="http://schemas.microsoft.com/office/drawing/2010/main" xmlns="">
                         <a:solidFill>
                           <a:schemeClr val="accent1"/>
                         </a:solidFill>
                       </a14:hiddenFill>
                     </a:ext>
                     <a:ext uri="{AF507438-7753-43e0-B8FC-AC1667EBCBE1}">
-                      <a14:hiddenEffects xmlns="" xmlns:a14="http://schemas.microsoft.com/office/drawing/2010/main">
+                      <a14:hiddenEffects xmlns:a14="http://schemas.microsoft.com/office/drawing/2010/main" xmlns="">
                         <a:effectLst>
                           <a:outerShdw dist="35921" dir="2700000" algn="ctr" rotWithShape="0">
                             <a:schemeClr val="bg2"/>
@@ -19490,14 +19550,14 @@
                   <a:effectLst/>
                   <a:extLst>
                     <a:ext uri="{909E8E84-426E-40dd-AFC4-6F175D3DCCD1}">
-                      <a14:hiddenFill xmlns="" xmlns:a14="http://schemas.microsoft.com/office/drawing/2010/main">
+                      <a14:hiddenFill xmlns:a14="http://schemas.microsoft.com/office/drawing/2010/main" xmlns="">
                         <a:solidFill>
                           <a:schemeClr val="accent1"/>
                         </a:solidFill>
                       </a14:hiddenFill>
                     </a:ext>
                     <a:ext uri="{AF507438-7753-43e0-B8FC-AC1667EBCBE1}">
-                      <a14:hiddenEffects xmlns="" xmlns:a14="http://schemas.microsoft.com/office/drawing/2010/main">
+                      <a14:hiddenEffects xmlns:a14="http://schemas.microsoft.com/office/drawing/2010/main" xmlns="">
                         <a:effectLst>
                           <a:outerShdw dist="35921" dir="2700000" algn="ctr" rotWithShape="0">
                             <a:schemeClr val="bg2"/>
@@ -19816,7 +19876,7 @@
             <a:effectLst/>
             <a:extLst>
               <a:ext uri="{AF507438-7753-43e0-B8FC-AC1667EBCBE1}">
-                <a14:hiddenEffects xmlns="" xmlns:a14="http://schemas.microsoft.com/office/drawing/2010/main">
+                <a14:hiddenEffects xmlns:a14="http://schemas.microsoft.com/office/drawing/2010/main" xmlns="">
                   <a:effectLst>
                     <a:outerShdw dist="35921" dir="2700000" algn="ctr" rotWithShape="0">
                       <a:schemeClr val="bg2"/>
@@ -20115,7 +20175,7 @@
             <a:effectLst/>
             <a:extLst>
               <a:ext uri="{AF507438-7753-43e0-B8FC-AC1667EBCBE1}">
-                <a14:hiddenEffects xmlns="" xmlns:a14="http://schemas.microsoft.com/office/drawing/2010/main">
+                <a14:hiddenEffects xmlns:a14="http://schemas.microsoft.com/office/drawing/2010/main" xmlns="">
                   <a:effectLst>
                     <a:outerShdw dist="35921" dir="2700000" algn="ctr" rotWithShape="0">
                       <a:schemeClr val="bg2"/>
@@ -20470,7 +20530,7 @@
             <a:effectLst/>
             <a:extLst>
               <a:ext uri="{AF507438-7753-43e0-B8FC-AC1667EBCBE1}">
-                <a14:hiddenEffects xmlns="" xmlns:a14="http://schemas.microsoft.com/office/drawing/2010/main">
+                <a14:hiddenEffects xmlns:a14="http://schemas.microsoft.com/office/drawing/2010/main" xmlns="">
                   <a:effectLst>
                     <a:outerShdw dist="35921" dir="2700000" algn="ctr" rotWithShape="0">
                       <a:schemeClr val="bg2"/>
@@ -20825,7 +20885,7 @@
             <a:effectLst/>
             <a:extLst>
               <a:ext uri="{AF507438-7753-43e0-B8FC-AC1667EBCBE1}">
-                <a14:hiddenEffects xmlns="" xmlns:a14="http://schemas.microsoft.com/office/drawing/2010/main">
+                <a14:hiddenEffects xmlns:a14="http://schemas.microsoft.com/office/drawing/2010/main" xmlns="">
                   <a:effectLst>
                     <a:outerShdw dist="35921" dir="2700000" algn="ctr" rotWithShape="0">
                       <a:schemeClr val="bg2"/>
@@ -21189,7 +21249,7 @@
             <a:effectLst/>
             <a:extLst>
               <a:ext uri="{AF507438-7753-43e0-B8FC-AC1667EBCBE1}">
-                <a14:hiddenEffects xmlns="" xmlns:a14="http://schemas.microsoft.com/office/drawing/2010/main">
+                <a14:hiddenEffects xmlns:a14="http://schemas.microsoft.com/office/drawing/2010/main" xmlns="">
                   <a:effectLst>
                     <a:outerShdw dist="35921" dir="2700000" algn="ctr" rotWithShape="0">
                       <a:schemeClr val="bg2"/>
@@ -21294,14 +21354,14 @@
               <a:effectLst/>
               <a:extLst>
                 <a:ext uri="{909E8E84-426E-40dd-AFC4-6F175D3DCCD1}">
-                  <a14:hiddenFill xmlns="" xmlns:a14="http://schemas.microsoft.com/office/drawing/2010/main">
+                  <a14:hiddenFill xmlns:a14="http://schemas.microsoft.com/office/drawing/2010/main" xmlns="">
                     <a:solidFill>
                       <a:schemeClr val="accent1"/>
                     </a:solidFill>
                   </a14:hiddenFill>
                 </a:ext>
                 <a:ext uri="{AF507438-7753-43e0-B8FC-AC1667EBCBE1}">
-                  <a14:hiddenEffects xmlns="" xmlns:a14="http://schemas.microsoft.com/office/drawing/2010/main">
+                  <a14:hiddenEffects xmlns:a14="http://schemas.microsoft.com/office/drawing/2010/main" xmlns="">
                     <a:effectLst>
                       <a:outerShdw dist="35921" dir="2700000" algn="ctr" rotWithShape="0">
                         <a:schemeClr val="bg2"/>
@@ -21390,14 +21450,14 @@
               <a:effectLst/>
               <a:extLst>
                 <a:ext uri="{909E8E84-426E-40dd-AFC4-6F175D3DCCD1}">
-                  <a14:hiddenFill xmlns="" xmlns:a14="http://schemas.microsoft.com/office/drawing/2010/main">
+                  <a14:hiddenFill xmlns:a14="http://schemas.microsoft.com/office/drawing/2010/main" xmlns="">
                     <a:solidFill>
                       <a:schemeClr val="accent1"/>
                     </a:solidFill>
                   </a14:hiddenFill>
                 </a:ext>
                 <a:ext uri="{AF507438-7753-43e0-B8FC-AC1667EBCBE1}">
-                  <a14:hiddenEffects xmlns="" xmlns:a14="http://schemas.microsoft.com/office/drawing/2010/main">
+                  <a14:hiddenEffects xmlns:a14="http://schemas.microsoft.com/office/drawing/2010/main" xmlns="">
                     <a:effectLst>
                       <a:outerShdw dist="35921" dir="2700000" algn="ctr" rotWithShape="0">
                         <a:schemeClr val="bg2"/>
@@ -21486,14 +21546,14 @@
               <a:effectLst/>
               <a:extLst>
                 <a:ext uri="{909E8E84-426E-40dd-AFC4-6F175D3DCCD1}">
-                  <a14:hiddenFill xmlns="" xmlns:a14="http://schemas.microsoft.com/office/drawing/2010/main">
+                  <a14:hiddenFill xmlns:a14="http://schemas.microsoft.com/office/drawing/2010/main" xmlns="">
                     <a:solidFill>
                       <a:schemeClr val="accent1"/>
                     </a:solidFill>
                   </a14:hiddenFill>
                 </a:ext>
                 <a:ext uri="{AF507438-7753-43e0-B8FC-AC1667EBCBE1}">
-                  <a14:hiddenEffects xmlns="" xmlns:a14="http://schemas.microsoft.com/office/drawing/2010/main">
+                  <a14:hiddenEffects xmlns:a14="http://schemas.microsoft.com/office/drawing/2010/main" xmlns="">
                     <a:effectLst>
                       <a:outerShdw dist="35921" dir="2700000" algn="ctr" rotWithShape="0">
                         <a:schemeClr val="bg2"/>
